--- a/3DLv3_2023_vs2019/Plan/プレゼンテーション1.pptx
+++ b/3DLv3_2023_vs2019/Plan/プレゼンテーション1.pptx
@@ -9,7 +9,7 @@
     <p:sldId id="257" r:id="rId3"/>
     <p:sldId id="258" r:id="rId4"/>
     <p:sldId id="259" r:id="rId5"/>
-    <p:sldId id="260" r:id="rId6"/>
+    <p:sldId id="262" r:id="rId6"/>
     <p:sldId id="261" r:id="rId7"/>
   </p:sldIdLst>
   <p:sldSz cx="12192000" cy="6858000"/>
@@ -143,34 +143,6 @@
           <inkml:channelProperty channel="Y" name="resolution" value="1000" units="1/cm"/>
         </inkml:channelProperties>
       </inkml:inkSource>
-      <inkml:timestamp xml:id="ts0" timeString="2023-09-19T03:49:25.072"/>
-    </inkml:context>
-    <inkml:brush xml:id="br0">
-      <inkml:brushProperty name="width" value="0.1" units="cm"/>
-      <inkml:brushProperty name="height" value="0.1" units="cm"/>
-      <inkml:brushProperty name="ignorePressure" value="1"/>
-    </inkml:brush>
-  </inkml:definitions>
-  <inkml:trace contextRef="#ctx0" brushRef="#br0">4841 6695,'-196'58,"109"-37,64-13,-1-2,0 0,-1-2,1 0,-1-2,1-1,-1-1,0-1,-14-3,-227-28,66-9,-57-70,23 29,38-19,151 73,-122-109,42-45,55 65,-55-186,37 78,44 25,-9 0,-2-165,-12 52,57 185,6-1,8-51,-1 5,-4-255,-43 175,40 198,2 0,2 0,3-1,3 1,5-18,42-274,-11 93,37 19,-18 30,4-77,-58 256,-2 4,1 1,1-1,1 2,1-1,1 1,1 0,9-13,104-148,4-4,76-42,-82 81,-96 123,1 1,1 1,1 1,1 2,0 0,2 3,0 0,1 2,22-6,32-20,111-36,61-1,-245 77,1 1,-1 0,0 1,0 1,0 0,0 1,0 0,0 1,-1 1,1 0,-1 1,-1 0,1 1,-1 1,0 0,-1 0,10 10,174 105,-102-37,-32-21,103 17,149 96,-131-112,-150-45,-1 2,-2 1,0 1,-2 1,0 2,0 3,92 89,35 13,-144-125,-1-1,0 2,-1-1,0 1,0 0,-1 1,0 0,0 0,-2 0,6 12,-1-6,1 1,1-2,1 1,0-2,1 0,0 0,1-1,6 3,30 29,117 141,-20 75,-73-87,-60-106,31 222,-47 574,-47-493,48-354,0 0,-1-1,-1 1,-1 0,-1-1,0 0,-1 0,0 0,-2 0,1-1,-2 1,-36 56,3 2,4 1,-19 58,-88 183,58-101,-47-37,53-12,-68 56,-66 55,137-143,23-27,-66 81,-64 120,113-197,-44 86,31-34,67-131</inkml:trace>
-  <inkml:trace contextRef="#ctx0" brushRef="#br0" timeOffset="2483.864">2967 6474,'-2'5,"0"0,0 1,0-1,-1 0,1-1,-1 1,-1 0,1-1,0 0,-1 1,0-1,0-1,0 1,-1-1,-1 2,-12 11,-96 84,32-37,4 4,2 3,3 4,-57 37,-56 12,2-1,123-79,1 2,3 2,2 4,2 1,-5 12,-52 48,-2 52,68-89,-31 60,66-108,-1 0,-2 0,0-1,-2-1,-1 0,0-1,-2 0,-1-2,-1 0,-7 6,-56 70,-34 29,-16 54,92-122,-1-3,-3-1,-3-2,-2-2,-49 40,35-32,-50 78,-7-11,-3-11,96-83,2-5</inkml:trace>
-  <inkml:trace contextRef="#ctx0" brushRef="#br0" timeOffset="3797.871">8 9310,'0'8,"0"11,0 16,0 9,0 10,0 5,0 4,12-8,13-14,15-13,9-12,8-9,4-5,-10-3</inkml:trace>
-</inkml:ink>
-</file>
-
-<file path=ppt/ink/ink2.xml><?xml version="1.0" encoding="utf-8"?>
-<inkml:ink xmlns:inkml="http://www.w3.org/2003/InkML">
-  <inkml:definitions>
-    <inkml:context xml:id="ctx0">
-      <inkml:inkSource xml:id="inkSrc0">
-        <inkml:traceFormat>
-          <inkml:channel name="X" type="integer" min="-2.14748E9" max="2.14748E9" units="cm"/>
-          <inkml:channel name="Y" type="integer" min="-2.14748E9" max="2.14748E9" units="cm"/>
-        </inkml:traceFormat>
-        <inkml:channelProperties>
-          <inkml:channelProperty channel="X" name="resolution" value="1000" units="1/cm"/>
-          <inkml:channelProperty channel="Y" name="resolution" value="1000" units="1/cm"/>
-        </inkml:channelProperties>
-      </inkml:inkSource>
       <inkml:timestamp xml:id="ts0" timeString="2023-09-19T03:00:27.376"/>
     </inkml:context>
     <inkml:brush xml:id="br0">
@@ -186,7 +158,7 @@
 </inkml:ink>
 </file>
 
-<file path=ppt/ink/ink3.xml><?xml version="1.0" encoding="utf-8"?>
+<file path=ppt/ink/ink2.xml><?xml version="1.0" encoding="utf-8"?>
 <inkml:ink xmlns:inkml="http://www.w3.org/2003/InkML">
   <inkml:definitions>
     <inkml:context xml:id="ctx0">
@@ -215,7 +187,7 @@
 </inkml:ink>
 </file>
 
-<file path=ppt/ink/ink4.xml><?xml version="1.0" encoding="utf-8"?>
+<file path=ppt/ink/ink3.xml><?xml version="1.0" encoding="utf-8"?>
 <inkml:ink xmlns:inkml="http://www.w3.org/2003/InkML">
   <inkml:definitions>
     <inkml:context xml:id="ctx0">
@@ -244,7 +216,7 @@
 </inkml:ink>
 </file>
 
-<file path=ppt/ink/ink5.xml><?xml version="1.0" encoding="utf-8"?>
+<file path=ppt/ink/ink4.xml><?xml version="1.0" encoding="utf-8"?>
 <inkml:ink xmlns:inkml="http://www.w3.org/2003/InkML">
   <inkml:definitions>
     <inkml:context xml:id="ctx0">
@@ -273,7 +245,7 @@
 </inkml:ink>
 </file>
 
-<file path=ppt/ink/ink6.xml><?xml version="1.0" encoding="utf-8"?>
+<file path=ppt/ink/ink5.xml><?xml version="1.0" encoding="utf-8"?>
 <inkml:ink xmlns:inkml="http://www.w3.org/2003/InkML">
   <inkml:definitions>
     <inkml:context xml:id="ctx0">
@@ -302,7 +274,7 @@
 </inkml:ink>
 </file>
 
-<file path=ppt/ink/ink7.xml><?xml version="1.0" encoding="utf-8"?>
+<file path=ppt/ink/ink6.xml><?xml version="1.0" encoding="utf-8"?>
 <inkml:ink xmlns:inkml="http://www.w3.org/2003/InkML">
   <inkml:definitions>
     <inkml:context xml:id="ctx0">
@@ -331,7 +303,7 @@
 </inkml:ink>
 </file>
 
-<file path=ppt/ink/ink8.xml><?xml version="1.0" encoding="utf-8"?>
+<file path=ppt/ink/ink7.xml><?xml version="1.0" encoding="utf-8"?>
 <inkml:ink xmlns:inkml="http://www.w3.org/2003/InkML">
   <inkml:definitions>
     <inkml:context xml:id="ctx0">
@@ -360,7 +332,7 @@
 </inkml:ink>
 </file>
 
-<file path=ppt/ink/ink9.xml><?xml version="1.0" encoding="utf-8"?>
+<file path=ppt/ink/ink8.xml><?xml version="1.0" encoding="utf-8"?>
 <inkml:ink xmlns:inkml="http://www.w3.org/2003/InkML">
   <inkml:definitions>
     <inkml:context xml:id="ctx0">
@@ -389,6 +361,35 @@
 </inkml:ink>
 </file>
 
+<file path=ppt/ink/ink9.xml><?xml version="1.0" encoding="utf-8"?>
+<inkml:ink xmlns:inkml="http://www.w3.org/2003/InkML">
+  <inkml:definitions>
+    <inkml:context xml:id="ctx0">
+      <inkml:inkSource xml:id="inkSrc0">
+        <inkml:traceFormat>
+          <inkml:channel name="X" type="integer" min="-2.14748E9" max="2.14748E9" units="cm"/>
+          <inkml:channel name="Y" type="integer" min="-2.14748E9" max="2.14748E9" units="cm"/>
+        </inkml:traceFormat>
+        <inkml:channelProperties>
+          <inkml:channelProperty channel="X" name="resolution" value="1000" units="1/cm"/>
+          <inkml:channelProperty channel="Y" name="resolution" value="1000" units="1/cm"/>
+        </inkml:channelProperties>
+      </inkml:inkSource>
+      <inkml:timestamp xml:id="ts0" timeString="2023-09-20T02:24:06.613"/>
+    </inkml:context>
+    <inkml:brush xml:id="br0">
+      <inkml:brushProperty name="width" value="0.5" units="cm"/>
+      <inkml:brushProperty name="height" value="1" units="cm"/>
+      <inkml:brushProperty name="color" value="#FFFC00"/>
+      <inkml:brushProperty name="tip" value="rectangle"/>
+      <inkml:brushProperty name="rasterOp" value="maskPen"/>
+      <inkml:brushProperty name="ignorePressure" value="1"/>
+    </inkml:brush>
+  </inkml:definitions>
+  <inkml:trace contextRef="#ctx0" brushRef="#br0">0 1,'282'2,"-272"-2,0 2,0-1,0 1,0 1,-1-1,1 2,-1-1,1 1,-1 1,-1 0,1 0,0 1,-1 0,0 0,-1 1,0 0,0 0,4 6,-4-4,1 0,0 0,1-1,-1 0,2 0,-1-1,1 0,0-1,0 0,1-1,-1 0,1 0,1-1,-1-1,0 0,1 0,0-1,-1-1,7 0,27 3,0-2,1-2,-1-1,0-3,0-2,32-9,192-20,-152 4,-100 25,0 0,1 1,-1 1,1 0,0 2,0 0,0 1,0 0,8 2,171 34,-4 29,-118-53,1-4,-1-3,1-3,32-5,25 0,236 2,-168-34,43-35,-99 34,-107 25</inkml:trace>
+</inkml:ink>
+</file>
+
 <file path=ppt/slideLayouts/slideLayout1.xml><?xml version="1.0" encoding="utf-8"?>
 <p:sldLayout xmlns:a="http://schemas.openxmlformats.org/drawingml/2006/main" xmlns:r="http://schemas.openxmlformats.org/officeDocument/2006/relationships" xmlns:p="http://schemas.openxmlformats.org/presentationml/2006/main" type="title" preserve="1">
   <p:cSld name="タイトル スライド">
@@ -536,7 +537,7 @@
           <a:p>
             <a:fld id="{079D9FFB-0E4D-4C11-8AD6-519704A96548}" type="datetimeFigureOut">
               <a:rPr kumimoji="1" lang="ja-JP" altLang="en-US" smtClean="0"/>
-              <a:t>2023/9/19</a:t>
+              <a:t>2023/9/20</a:t>
             </a:fld>
             <a:endParaRPr kumimoji="1" lang="ja-JP" altLang="en-US"/>
           </a:p>
@@ -766,7 +767,7 @@
           <a:p>
             <a:fld id="{079D9FFB-0E4D-4C11-8AD6-519704A96548}" type="datetimeFigureOut">
               <a:rPr kumimoji="1" lang="ja-JP" altLang="en-US" smtClean="0"/>
-              <a:t>2023/9/19</a:t>
+              <a:t>2023/9/20</a:t>
             </a:fld>
             <a:endParaRPr kumimoji="1" lang="ja-JP" altLang="en-US"/>
           </a:p>
@@ -1006,7 +1007,7 @@
           <a:p>
             <a:fld id="{079D9FFB-0E4D-4C11-8AD6-519704A96548}" type="datetimeFigureOut">
               <a:rPr kumimoji="1" lang="ja-JP" altLang="en-US" smtClean="0"/>
-              <a:t>2023/9/19</a:t>
+              <a:t>2023/9/20</a:t>
             </a:fld>
             <a:endParaRPr kumimoji="1" lang="ja-JP" altLang="en-US"/>
           </a:p>
@@ -1236,7 +1237,7 @@
           <a:p>
             <a:fld id="{079D9FFB-0E4D-4C11-8AD6-519704A96548}" type="datetimeFigureOut">
               <a:rPr kumimoji="1" lang="ja-JP" altLang="en-US" smtClean="0"/>
-              <a:t>2023/9/19</a:t>
+              <a:t>2023/9/20</a:t>
             </a:fld>
             <a:endParaRPr kumimoji="1" lang="ja-JP" altLang="en-US"/>
           </a:p>
@@ -1511,7 +1512,7 @@
           <a:p>
             <a:fld id="{079D9FFB-0E4D-4C11-8AD6-519704A96548}" type="datetimeFigureOut">
               <a:rPr kumimoji="1" lang="ja-JP" altLang="en-US" smtClean="0"/>
-              <a:t>2023/9/19</a:t>
+              <a:t>2023/9/20</a:t>
             </a:fld>
             <a:endParaRPr kumimoji="1" lang="ja-JP" altLang="en-US"/>
           </a:p>
@@ -1840,7 +1841,7 @@
           <a:p>
             <a:fld id="{079D9FFB-0E4D-4C11-8AD6-519704A96548}" type="datetimeFigureOut">
               <a:rPr kumimoji="1" lang="ja-JP" altLang="en-US" smtClean="0"/>
-              <a:t>2023/9/19</a:t>
+              <a:t>2023/9/20</a:t>
             </a:fld>
             <a:endParaRPr kumimoji="1" lang="ja-JP" altLang="en-US"/>
           </a:p>
@@ -2316,7 +2317,7 @@
           <a:p>
             <a:fld id="{079D9FFB-0E4D-4C11-8AD6-519704A96548}" type="datetimeFigureOut">
               <a:rPr kumimoji="1" lang="ja-JP" altLang="en-US" smtClean="0"/>
-              <a:t>2023/9/19</a:t>
+              <a:t>2023/9/20</a:t>
             </a:fld>
             <a:endParaRPr kumimoji="1" lang="ja-JP" altLang="en-US"/>
           </a:p>
@@ -2457,7 +2458,7 @@
           <a:p>
             <a:fld id="{079D9FFB-0E4D-4C11-8AD6-519704A96548}" type="datetimeFigureOut">
               <a:rPr kumimoji="1" lang="ja-JP" altLang="en-US" smtClean="0"/>
-              <a:t>2023/9/19</a:t>
+              <a:t>2023/9/20</a:t>
             </a:fld>
             <a:endParaRPr kumimoji="1" lang="ja-JP" altLang="en-US"/>
           </a:p>
@@ -2570,7 +2571,7 @@
           <a:p>
             <a:fld id="{079D9FFB-0E4D-4C11-8AD6-519704A96548}" type="datetimeFigureOut">
               <a:rPr kumimoji="1" lang="ja-JP" altLang="en-US" smtClean="0"/>
-              <a:t>2023/9/19</a:t>
+              <a:t>2023/9/20</a:t>
             </a:fld>
             <a:endParaRPr kumimoji="1" lang="ja-JP" altLang="en-US"/>
           </a:p>
@@ -2913,7 +2914,7 @@
           <a:p>
             <a:fld id="{079D9FFB-0E4D-4C11-8AD6-519704A96548}" type="datetimeFigureOut">
               <a:rPr kumimoji="1" lang="ja-JP" altLang="en-US" smtClean="0"/>
-              <a:t>2023/9/19</a:t>
+              <a:t>2023/9/20</a:t>
             </a:fld>
             <a:endParaRPr kumimoji="1" lang="ja-JP" altLang="en-US"/>
           </a:p>
@@ -3201,7 +3202,7 @@
           <a:p>
             <a:fld id="{079D9FFB-0E4D-4C11-8AD6-519704A96548}" type="datetimeFigureOut">
               <a:rPr kumimoji="1" lang="ja-JP" altLang="en-US" smtClean="0"/>
-              <a:t>2023/9/19</a:t>
+              <a:t>2023/9/20</a:t>
             </a:fld>
             <a:endParaRPr kumimoji="1" lang="ja-JP" altLang="en-US"/>
           </a:p>
@@ -3474,7 +3475,7 @@
           <a:p>
             <a:fld id="{079D9FFB-0E4D-4C11-8AD6-519704A96548}" type="datetimeFigureOut">
               <a:rPr kumimoji="1" lang="ja-JP" altLang="en-US" smtClean="0"/>
-              <a:t>2023/9/19</a:t>
+              <a:t>2023/9/20</a:t>
             </a:fld>
             <a:endParaRPr kumimoji="1" lang="ja-JP" altLang="en-US"/>
           </a:p>
@@ -4414,93 +4415,6 @@
           </a:xfrm>
         </p:spPr>
       </p:pic>
-      <mc:AlternateContent xmlns:mc="http://schemas.openxmlformats.org/markup-compatibility/2006" xmlns:p14="http://schemas.microsoft.com/office/powerpoint/2010/main">
-        <mc:Choice Requires="p14">
-          <p:contentPart p14:bwMode="auto" r:id="rId3">
-            <p14:nvContentPartPr>
-              <p14:cNvPr id="15" name="インク 14">
-                <a:extLst>
-                  <a:ext uri="{FF2B5EF4-FFF2-40B4-BE49-F238E27FC236}">
-                    <a16:creationId xmlns:a16="http://schemas.microsoft.com/office/drawing/2014/main" id="{414EAB50-DE74-426A-837C-0BB939BBF929}"/>
-                  </a:ext>
-                </a:extLst>
-              </p14:cNvPr>
-              <p14:cNvContentPartPr/>
-              <p14:nvPr/>
-            </p14:nvContentPartPr>
-            <p14:xfrm>
-              <a:off x="4489113" y="2507680"/>
-              <a:ext cx="2355480" cy="3507120"/>
-            </p14:xfrm>
-          </p:contentPart>
-        </mc:Choice>
-        <mc:Fallback xmlns="">
-          <p:pic>
-            <p:nvPicPr>
-              <p:cNvPr id="15" name="インク 14">
-                <a:extLst>
-                  <a:ext uri="{FF2B5EF4-FFF2-40B4-BE49-F238E27FC236}">
-                    <a16:creationId xmlns:a16="http://schemas.microsoft.com/office/drawing/2014/main" id="{414EAB50-DE74-426A-837C-0BB939BBF929}"/>
-                  </a:ext>
-                </a:extLst>
-              </p:cNvPr>
-              <p:cNvPicPr/>
-              <p:nvPr/>
-            </p:nvPicPr>
-            <p:blipFill>
-              <a:blip r:embed="rId4"/>
-              <a:stretch>
-                <a:fillRect/>
-              </a:stretch>
-            </p:blipFill>
-            <p:spPr>
-              <a:xfrm>
-                <a:off x="4471473" y="2490040"/>
-                <a:ext cx="2391120" cy="3542760"/>
-              </a:xfrm>
-              <a:prstGeom prst="rect">
-                <a:avLst/>
-              </a:prstGeom>
-            </p:spPr>
-          </p:pic>
-        </mc:Fallback>
-      </mc:AlternateContent>
-      <p:sp>
-        <p:nvSpPr>
-          <p:cNvPr id="16" name="テキスト ボックス 15">
-            <a:extLst>
-              <a:ext uri="{FF2B5EF4-FFF2-40B4-BE49-F238E27FC236}">
-                <a16:creationId xmlns:a16="http://schemas.microsoft.com/office/drawing/2014/main" id="{6324494D-7B36-49F5-9155-3D3E2EF5BC5B}"/>
-              </a:ext>
-            </a:extLst>
-          </p:cNvPr>
-          <p:cNvSpPr txBox="1"/>
-          <p:nvPr/>
-        </p:nvSpPr>
-        <p:spPr>
-          <a:xfrm>
-            <a:off x="2530137" y="5877017"/>
-            <a:ext cx="2157274" cy="369332"/>
-          </a:xfrm>
-          <a:prstGeom prst="rect">
-            <a:avLst/>
-          </a:prstGeom>
-          <a:noFill/>
-        </p:spPr>
-        <p:txBody>
-          <a:bodyPr wrap="square" rtlCol="0">
-            <a:spAutoFit/>
-          </a:bodyPr>
-          <a:lstStyle/>
-          <a:p>
-            <a:r>
-              <a:rPr kumimoji="1" lang="ja-JP" altLang="en-US" dirty="0"/>
-              <a:t>モンスターにする</a:t>
-            </a:r>
-            <a:endParaRPr kumimoji="1" lang="en-US" altLang="ja-JP" dirty="0"/>
-          </a:p>
-        </p:txBody>
-      </p:sp>
     </p:spTree>
     <p:extLst>
       <p:ext uri="{BB962C8B-B14F-4D97-AF65-F5344CB8AC3E}">
@@ -5024,14 +4938,14 @@
           <p:nvPr>
             <p:extLst>
               <p:ext uri="{D42A27DB-BD31-4B8C-83A1-F6EECF244321}">
-                <p14:modId xmlns:p14="http://schemas.microsoft.com/office/powerpoint/2010/main" val="322009428"/>
+                <p14:modId xmlns:p14="http://schemas.microsoft.com/office/powerpoint/2010/main" val="1506529595"/>
               </p:ext>
             </p:extLst>
           </p:nvPr>
         </p:nvGraphicFramePr>
         <p:xfrm>
-          <a:off x="3017835" y="3746189"/>
-          <a:ext cx="5327176" cy="3044192"/>
+          <a:off x="3586579" y="3746189"/>
+          <a:ext cx="4758432" cy="3044192"/>
         </p:xfrm>
         <a:graphic>
           <a:graphicData uri="http://schemas.openxmlformats.org/drawingml/2006/table">
@@ -5040,14 +4954,14 @@
                 <a:tableStyleId>{5C22544A-7EE6-4342-B048-85BDC9FD1C3A}</a:tableStyleId>
               </a:tblPr>
               <a:tblGrid>
-                <a:gridCol w="2663588">
+                <a:gridCol w="2379216">
                   <a:extLst>
                     <a:ext uri="{9D8B030D-6E8A-4147-A177-3AD203B41FA5}">
                       <a16:colId xmlns:a16="http://schemas.microsoft.com/office/drawing/2014/main" val="1200949828"/>
                     </a:ext>
                   </a:extLst>
                 </a:gridCol>
-                <a:gridCol w="2663588">
+                <a:gridCol w="2379216">
                   <a:extLst>
                     <a:ext uri="{9D8B030D-6E8A-4147-A177-3AD203B41FA5}">
                       <a16:colId xmlns:a16="http://schemas.microsoft.com/office/drawing/2014/main" val="1144442514"/>
@@ -5330,6 +5244,236 @@
           </a:graphicData>
         </a:graphic>
       </p:graphicFrame>
+      <p:graphicFrame>
+        <p:nvGraphicFramePr>
+          <p:cNvPr id="3" name="表 2">
+            <a:extLst>
+              <a:ext uri="{FF2B5EF4-FFF2-40B4-BE49-F238E27FC236}">
+                <a16:creationId xmlns:a16="http://schemas.microsoft.com/office/drawing/2014/main" id="{A1E5B11E-1D68-436C-943E-6A79E92A6AB3}"/>
+              </a:ext>
+            </a:extLst>
+          </p:cNvPr>
+          <p:cNvGraphicFramePr>
+            <a:graphicFrameLocks noGrp="1"/>
+          </p:cNvGraphicFramePr>
+          <p:nvPr>
+            <p:extLst>
+              <p:ext uri="{D42A27DB-BD31-4B8C-83A1-F6EECF244321}">
+                <p14:modId xmlns:p14="http://schemas.microsoft.com/office/powerpoint/2010/main" val="3290611424"/>
+              </p:ext>
+            </p:extLst>
+          </p:nvPr>
+        </p:nvGraphicFramePr>
+        <p:xfrm>
+          <a:off x="8353890" y="3746189"/>
+          <a:ext cx="3613210" cy="1483360"/>
+        </p:xfrm>
+        <a:graphic>
+          <a:graphicData uri="http://schemas.openxmlformats.org/drawingml/2006/table">
+            <a:tbl>
+              <a:tblPr firstRow="1" bandRow="1">
+                <a:tableStyleId>{5C22544A-7EE6-4342-B048-85BDC9FD1C3A}</a:tableStyleId>
+              </a:tblPr>
+              <a:tblGrid>
+                <a:gridCol w="1806605">
+                  <a:extLst>
+                    <a:ext uri="{9D8B030D-6E8A-4147-A177-3AD203B41FA5}">
+                      <a16:colId xmlns:a16="http://schemas.microsoft.com/office/drawing/2014/main" val="1976614034"/>
+                    </a:ext>
+                  </a:extLst>
+                </a:gridCol>
+                <a:gridCol w="1806605">
+                  <a:extLst>
+                    <a:ext uri="{9D8B030D-6E8A-4147-A177-3AD203B41FA5}">
+                      <a16:colId xmlns:a16="http://schemas.microsoft.com/office/drawing/2014/main" val="3697412439"/>
+                    </a:ext>
+                  </a:extLst>
+                </a:gridCol>
+              </a:tblGrid>
+              <a:tr h="370840">
+                <a:tc>
+                  <a:txBody>
+                    <a:bodyPr/>
+                    <a:lstStyle/>
+                    <a:p>
+                      <a:endParaRPr kumimoji="1" lang="ja-JP" altLang="en-US" dirty="0"/>
+                    </a:p>
+                  </a:txBody>
+                  <a:tcPr/>
+                </a:tc>
+                <a:tc>
+                  <a:txBody>
+                    <a:bodyPr/>
+                    <a:lstStyle/>
+                    <a:p>
+                      <a:endParaRPr kumimoji="1" lang="ja-JP" altLang="en-US"/>
+                    </a:p>
+                  </a:txBody>
+                  <a:tcPr/>
+                </a:tc>
+                <a:extLst>
+                  <a:ext uri="{0D108BD9-81ED-4DB2-BD59-A6C34878D82A}">
+                    <a16:rowId xmlns:a16="http://schemas.microsoft.com/office/drawing/2014/main" val="4184375294"/>
+                  </a:ext>
+                </a:extLst>
+              </a:tr>
+              <a:tr h="370840">
+                <a:tc>
+                  <a:txBody>
+                    <a:bodyPr/>
+                    <a:lstStyle/>
+                    <a:p>
+                      <a:r>
+                        <a:rPr kumimoji="1" lang="en-US" altLang="ja-JP" dirty="0"/>
+                        <a:t>J</a:t>
+                      </a:r>
+                      <a:endParaRPr kumimoji="1" lang="ja-JP" altLang="en-US" dirty="0"/>
+                    </a:p>
+                  </a:txBody>
+                  <a:tcPr/>
+                </a:tc>
+                <a:tc>
+                  <a:txBody>
+                    <a:bodyPr/>
+                    <a:lstStyle/>
+                    <a:p>
+                      <a:r>
+                        <a:rPr kumimoji="1" lang="ja-JP" altLang="en-US" dirty="0"/>
+                        <a:t>弱攻撃</a:t>
+                      </a:r>
+                    </a:p>
+                  </a:txBody>
+                  <a:tcPr/>
+                </a:tc>
+                <a:extLst>
+                  <a:ext uri="{0D108BD9-81ED-4DB2-BD59-A6C34878D82A}">
+                    <a16:rowId xmlns:a16="http://schemas.microsoft.com/office/drawing/2014/main" val="3501022638"/>
+                  </a:ext>
+                </a:extLst>
+              </a:tr>
+              <a:tr h="370840">
+                <a:tc>
+                  <a:txBody>
+                    <a:bodyPr/>
+                    <a:lstStyle/>
+                    <a:p>
+                      <a:r>
+                        <a:rPr kumimoji="1" lang="en-US" altLang="ja-JP" dirty="0"/>
+                        <a:t>K</a:t>
+                      </a:r>
+                      <a:endParaRPr kumimoji="1" lang="ja-JP" altLang="en-US" dirty="0"/>
+                    </a:p>
+                  </a:txBody>
+                  <a:tcPr/>
+                </a:tc>
+                <a:tc>
+                  <a:txBody>
+                    <a:bodyPr/>
+                    <a:lstStyle/>
+                    <a:p>
+                      <a:r>
+                        <a:rPr kumimoji="1" lang="ja-JP" altLang="en-US" dirty="0"/>
+                        <a:t>強攻撃</a:t>
+                      </a:r>
+                    </a:p>
+                  </a:txBody>
+                  <a:tcPr/>
+                </a:tc>
+                <a:extLst>
+                  <a:ext uri="{0D108BD9-81ED-4DB2-BD59-A6C34878D82A}">
+                    <a16:rowId xmlns:a16="http://schemas.microsoft.com/office/drawing/2014/main" val="315493999"/>
+                  </a:ext>
+                </a:extLst>
+              </a:tr>
+              <a:tr h="370840">
+                <a:tc>
+                  <a:txBody>
+                    <a:bodyPr/>
+                    <a:lstStyle/>
+                    <a:p>
+                      <a:r>
+                        <a:rPr kumimoji="1" lang="en-US" altLang="ja-JP" dirty="0"/>
+                        <a:t>L</a:t>
+                      </a:r>
+                      <a:endParaRPr kumimoji="1" lang="ja-JP" altLang="en-US" dirty="0"/>
+                    </a:p>
+                  </a:txBody>
+                  <a:tcPr/>
+                </a:tc>
+                <a:tc>
+                  <a:txBody>
+                    <a:bodyPr/>
+                    <a:lstStyle/>
+                    <a:p>
+                      <a:r>
+                        <a:rPr kumimoji="1" lang="ja-JP" altLang="en-US" dirty="0"/>
+                        <a:t>特殊攻撃</a:t>
+                      </a:r>
+                    </a:p>
+                  </a:txBody>
+                  <a:tcPr/>
+                </a:tc>
+                <a:extLst>
+                  <a:ext uri="{0D108BD9-81ED-4DB2-BD59-A6C34878D82A}">
+                    <a16:rowId xmlns:a16="http://schemas.microsoft.com/office/drawing/2014/main" val="1067764716"/>
+                  </a:ext>
+                </a:extLst>
+              </a:tr>
+            </a:tbl>
+          </a:graphicData>
+        </a:graphic>
+      </p:graphicFrame>
+      <mc:AlternateContent xmlns:mc="http://schemas.openxmlformats.org/markup-compatibility/2006" xmlns:p14="http://schemas.microsoft.com/office/powerpoint/2010/main">
+        <mc:Choice Requires="p14">
+          <p:contentPart p14:bwMode="auto" r:id="rId19">
+            <p14:nvContentPartPr>
+              <p14:cNvPr id="4" name="インク 3">
+                <a:extLst>
+                  <a:ext uri="{FF2B5EF4-FFF2-40B4-BE49-F238E27FC236}">
+                    <a16:creationId xmlns:a16="http://schemas.microsoft.com/office/drawing/2014/main" id="{D41C7DC4-D294-4773-A169-0441172BA950}"/>
+                  </a:ext>
+                </a:extLst>
+              </p14:cNvPr>
+              <p14:cNvContentPartPr/>
+              <p14:nvPr/>
+            </p14:nvContentPartPr>
+            <p14:xfrm>
+              <a:off x="4633833" y="2307873"/>
+              <a:ext cx="1263600" cy="74520"/>
+            </p14:xfrm>
+          </p:contentPart>
+        </mc:Choice>
+        <mc:Fallback xmlns="">
+          <p:pic>
+            <p:nvPicPr>
+              <p:cNvPr id="4" name="インク 3">
+                <a:extLst>
+                  <a:ext uri="{FF2B5EF4-FFF2-40B4-BE49-F238E27FC236}">
+                    <a16:creationId xmlns:a16="http://schemas.microsoft.com/office/drawing/2014/main" id="{D41C7DC4-D294-4773-A169-0441172BA950}"/>
+                  </a:ext>
+                </a:extLst>
+              </p:cNvPr>
+              <p:cNvPicPr/>
+              <p:nvPr/>
+            </p:nvPicPr>
+            <p:blipFill>
+              <a:blip r:embed="rId20"/>
+              <a:stretch>
+                <a:fillRect/>
+              </a:stretch>
+            </p:blipFill>
+            <p:spPr>
+              <a:xfrm>
+                <a:off x="4543833" y="2128233"/>
+                <a:ext cx="1443240" cy="434160"/>
+              </a:xfrm>
+              <a:prstGeom prst="rect">
+                <a:avLst/>
+              </a:prstGeom>
+            </p:spPr>
+          </p:pic>
+        </mc:Fallback>
+      </mc:AlternateContent>
     </p:spTree>
     <p:extLst>
       <p:ext uri="{BB962C8B-B14F-4D97-AF65-F5344CB8AC3E}">
@@ -5365,7 +5509,7 @@
           <p:cNvPr id="2" name="タイトル 1">
             <a:extLst>
               <a:ext uri="{FF2B5EF4-FFF2-40B4-BE49-F238E27FC236}">
-                <a16:creationId xmlns:a16="http://schemas.microsoft.com/office/drawing/2014/main" id="{DB1DEC00-93E1-4F85-945F-91B6BA30FDAD}"/>
+                <a16:creationId xmlns:a16="http://schemas.microsoft.com/office/drawing/2014/main" id="{DB5DCD9E-DB0B-4C07-8734-44FB3E8AA0AE}"/>
               </a:ext>
             </a:extLst>
           </p:cNvPr>
@@ -5378,8 +5522,8 @@
         </p:nvSpPr>
         <p:spPr>
           <a:xfrm>
-            <a:off x="838200" y="365126"/>
-            <a:ext cx="10515600" cy="315912"/>
+            <a:off x="838200" y="365125"/>
+            <a:ext cx="10515600" cy="442743"/>
           </a:xfrm>
         </p:spPr>
         <p:txBody>
@@ -5400,7 +5544,7 @@
           <p:cNvPr id="3" name="コンテンツ プレースホルダー 2">
             <a:extLst>
               <a:ext uri="{FF2B5EF4-FFF2-40B4-BE49-F238E27FC236}">
-                <a16:creationId xmlns:a16="http://schemas.microsoft.com/office/drawing/2014/main" id="{3E4CAB5F-D26E-41FA-81AF-6AECED4D74B2}"/>
+                <a16:creationId xmlns:a16="http://schemas.microsoft.com/office/drawing/2014/main" id="{7B9083D7-FEFB-48CF-972B-6C5A32DE6E60}"/>
               </a:ext>
             </a:extLst>
           </p:cNvPr>
@@ -5413,8 +5557,8 @@
         </p:nvSpPr>
         <p:spPr>
           <a:xfrm>
-            <a:off x="838200" y="2195004"/>
-            <a:ext cx="10515600" cy="2467991"/>
+            <a:off x="838200" y="958788"/>
+            <a:ext cx="10515600" cy="5218175"/>
           </a:xfrm>
         </p:spPr>
         <p:txBody>
@@ -5423,48 +5567,58 @@
           <a:p>
             <a:r>
               <a:rPr kumimoji="1" lang="ja-JP" altLang="en-US" dirty="0"/>
-              <a:t>敵を倒しながら、ゴールを目指す</a:t>
+              <a:t>敵を倒しながらゴールを目指す</a:t>
             </a:r>
             <a:endParaRPr lang="en-US" altLang="ja-JP" dirty="0"/>
           </a:p>
           <a:p>
-            <a:pPr marL="0" indent="0">
-              <a:buNone/>
-            </a:pPr>
+            <a:endParaRPr kumimoji="1" lang="en-US" altLang="ja-JP" dirty="0"/>
+          </a:p>
+          <a:p>
+            <a:r>
+              <a:rPr lang="ja-JP" altLang="en-US" dirty="0"/>
+              <a:t>体力が</a:t>
+            </a:r>
+            <a:r>
+              <a:rPr lang="en-US" altLang="ja-JP" dirty="0"/>
+              <a:t>0</a:t>
+            </a:r>
+            <a:r>
+              <a:rPr lang="ja-JP" altLang="en-US" dirty="0"/>
+              <a:t>になるとゲームオーバー</a:t>
+            </a:r>
             <a:r>
               <a:rPr kumimoji="1" lang="ja-JP" altLang="en-US" dirty="0"/>
-              <a:t>　道中にあるアイテムを使う</a:t>
-            </a:r>
+              <a:t>　</a:t>
+            </a:r>
+            <a:endParaRPr kumimoji="1" lang="en-US" altLang="ja-JP" dirty="0"/>
+          </a:p>
+          <a:p>
+            <a:endParaRPr lang="en-US" altLang="ja-JP" dirty="0"/>
+          </a:p>
+          <a:p>
+            <a:r>
+              <a:rPr kumimoji="1" lang="ja-JP" altLang="en-US" dirty="0"/>
+              <a:t>道中に道の行き先を教えてくれる不思議な植物がある</a:t>
+            </a:r>
+            <a:endParaRPr kumimoji="1" lang="en-US" altLang="ja-JP" dirty="0"/>
+          </a:p>
+          <a:p>
+            <a:endParaRPr lang="en-US" altLang="ja-JP" dirty="0"/>
+          </a:p>
+          <a:p>
             <a:r>
               <a:rPr lang="ja-JP" altLang="en-US" dirty="0"/>
-              <a:t>と</a:t>
-            </a:r>
-            <a:r>
-              <a:rPr kumimoji="1" lang="ja-JP" altLang="en-US" dirty="0"/>
-              <a:t>、一部能力アップ</a:t>
-            </a:r>
-            <a:endParaRPr kumimoji="1" lang="en-US" altLang="ja-JP" dirty="0"/>
-          </a:p>
-          <a:p>
-            <a:r>
-              <a:rPr kumimoji="1" lang="ja-JP" altLang="en-US" dirty="0"/>
-              <a:t>体力と時間が無くなったら、ゲームオーバー</a:t>
-            </a:r>
-            <a:endParaRPr kumimoji="1" lang="en-US" altLang="ja-JP" dirty="0"/>
-          </a:p>
-          <a:p>
-            <a:r>
-              <a:rPr lang="ja-JP" altLang="en-US" dirty="0"/>
-              <a:t>道をふさぐ障害物を、ギミックを解きながら進もう！</a:t>
-            </a:r>
-            <a:endParaRPr kumimoji="1" lang="en-US" altLang="ja-JP" dirty="0"/>
+              <a:t>アイテムには、それぞれ対応するギミックがある</a:t>
+            </a:r>
+            <a:endParaRPr lang="en-US" altLang="ja-JP" dirty="0"/>
           </a:p>
         </p:txBody>
       </p:sp>
     </p:spTree>
     <p:extLst>
       <p:ext uri="{BB962C8B-B14F-4D97-AF65-F5344CB8AC3E}">
-        <p14:creationId xmlns:p14="http://schemas.microsoft.com/office/powerpoint/2010/main" val="207317689"/>
+        <p14:creationId xmlns:p14="http://schemas.microsoft.com/office/powerpoint/2010/main" val="2643613102"/>
       </p:ext>
     </p:extLst>
   </p:cSld>
@@ -5552,7 +5706,10 @@
           <a:bodyPr/>
           <a:lstStyle/>
           <a:p>
-            <a:endParaRPr kumimoji="1" lang="ja-JP" altLang="en-US" dirty="0"/>
+            <a:r>
+              <a:rPr kumimoji="1" lang="ja-JP" altLang="en-US" dirty="0"/>
+              <a:t>未定</a:t>
+            </a:r>
           </a:p>
         </p:txBody>
       </p:sp>

--- a/3DLv3_2023_vs2019/Plan/プレゼンテーション1.pptx
+++ b/3DLv3_2023_vs2019/Plan/プレゼンテーション1.pptx
@@ -5598,18 +5598,32 @@
           </a:p>
           <a:p>
             <a:r>
+              <a:rPr lang="ja-JP" altLang="en-US" dirty="0"/>
+              <a:t>ステージには</a:t>
+            </a:r>
+            <a:r>
               <a:rPr kumimoji="1" lang="ja-JP" altLang="en-US" dirty="0"/>
-              <a:t>道中に道の行き先を教えてくれる不思議な植物がある</a:t>
-            </a:r>
-            <a:endParaRPr kumimoji="1" lang="en-US" altLang="ja-JP" dirty="0"/>
-          </a:p>
-          <a:p>
+              <a:t>道の行き先を教えてくれる不思議な植物がある</a:t>
+            </a:r>
             <a:endParaRPr lang="en-US" altLang="ja-JP" dirty="0"/>
           </a:p>
           <a:p>
+            <a:endParaRPr lang="en-US" altLang="ja-JP" dirty="0"/>
+          </a:p>
+          <a:p>
             <a:r>
               <a:rPr lang="ja-JP" altLang="en-US" dirty="0"/>
-              <a:t>アイテムには、それぞれ対応するギミックがある</a:t>
+              <a:t>ステージには色々なアイテムが設置されている</a:t>
+            </a:r>
+            <a:endParaRPr lang="en-US" altLang="ja-JP" dirty="0"/>
+          </a:p>
+          <a:p>
+            <a:pPr marL="0" indent="0">
+              <a:buNone/>
+            </a:pPr>
+            <a:r>
+              <a:rPr lang="ja-JP" altLang="en-US" dirty="0"/>
+              <a:t>　アイテムには、それぞれ対応するギミックがある</a:t>
             </a:r>
             <a:endParaRPr lang="en-US" altLang="ja-JP" dirty="0"/>
           </a:p>

--- a/3DLv3_2023_vs2019/Plan/プレゼンテーション1.pptx
+++ b/3DLv3_2023_vs2019/Plan/プレゼンテーション1.pptx
@@ -537,7 +537,7 @@
           <a:p>
             <a:fld id="{079D9FFB-0E4D-4C11-8AD6-519704A96548}" type="datetimeFigureOut">
               <a:rPr kumimoji="1" lang="ja-JP" altLang="en-US" smtClean="0"/>
-              <a:t>2023/9/20</a:t>
+              <a:t>2023/9/26</a:t>
             </a:fld>
             <a:endParaRPr kumimoji="1" lang="ja-JP" altLang="en-US"/>
           </a:p>
@@ -767,7 +767,7 @@
           <a:p>
             <a:fld id="{079D9FFB-0E4D-4C11-8AD6-519704A96548}" type="datetimeFigureOut">
               <a:rPr kumimoji="1" lang="ja-JP" altLang="en-US" smtClean="0"/>
-              <a:t>2023/9/20</a:t>
+              <a:t>2023/9/26</a:t>
             </a:fld>
             <a:endParaRPr kumimoji="1" lang="ja-JP" altLang="en-US"/>
           </a:p>
@@ -1007,7 +1007,7 @@
           <a:p>
             <a:fld id="{079D9FFB-0E4D-4C11-8AD6-519704A96548}" type="datetimeFigureOut">
               <a:rPr kumimoji="1" lang="ja-JP" altLang="en-US" smtClean="0"/>
-              <a:t>2023/9/20</a:t>
+              <a:t>2023/9/26</a:t>
             </a:fld>
             <a:endParaRPr kumimoji="1" lang="ja-JP" altLang="en-US"/>
           </a:p>
@@ -1237,7 +1237,7 @@
           <a:p>
             <a:fld id="{079D9FFB-0E4D-4C11-8AD6-519704A96548}" type="datetimeFigureOut">
               <a:rPr kumimoji="1" lang="ja-JP" altLang="en-US" smtClean="0"/>
-              <a:t>2023/9/20</a:t>
+              <a:t>2023/9/26</a:t>
             </a:fld>
             <a:endParaRPr kumimoji="1" lang="ja-JP" altLang="en-US"/>
           </a:p>
@@ -1512,7 +1512,7 @@
           <a:p>
             <a:fld id="{079D9FFB-0E4D-4C11-8AD6-519704A96548}" type="datetimeFigureOut">
               <a:rPr kumimoji="1" lang="ja-JP" altLang="en-US" smtClean="0"/>
-              <a:t>2023/9/20</a:t>
+              <a:t>2023/9/26</a:t>
             </a:fld>
             <a:endParaRPr kumimoji="1" lang="ja-JP" altLang="en-US"/>
           </a:p>
@@ -1841,7 +1841,7 @@
           <a:p>
             <a:fld id="{079D9FFB-0E4D-4C11-8AD6-519704A96548}" type="datetimeFigureOut">
               <a:rPr kumimoji="1" lang="ja-JP" altLang="en-US" smtClean="0"/>
-              <a:t>2023/9/20</a:t>
+              <a:t>2023/9/26</a:t>
             </a:fld>
             <a:endParaRPr kumimoji="1" lang="ja-JP" altLang="en-US"/>
           </a:p>
@@ -2317,7 +2317,7 @@
           <a:p>
             <a:fld id="{079D9FFB-0E4D-4C11-8AD6-519704A96548}" type="datetimeFigureOut">
               <a:rPr kumimoji="1" lang="ja-JP" altLang="en-US" smtClean="0"/>
-              <a:t>2023/9/20</a:t>
+              <a:t>2023/9/26</a:t>
             </a:fld>
             <a:endParaRPr kumimoji="1" lang="ja-JP" altLang="en-US"/>
           </a:p>
@@ -2458,7 +2458,7 @@
           <a:p>
             <a:fld id="{079D9FFB-0E4D-4C11-8AD6-519704A96548}" type="datetimeFigureOut">
               <a:rPr kumimoji="1" lang="ja-JP" altLang="en-US" smtClean="0"/>
-              <a:t>2023/9/20</a:t>
+              <a:t>2023/9/26</a:t>
             </a:fld>
             <a:endParaRPr kumimoji="1" lang="ja-JP" altLang="en-US"/>
           </a:p>
@@ -2571,7 +2571,7 @@
           <a:p>
             <a:fld id="{079D9FFB-0E4D-4C11-8AD6-519704A96548}" type="datetimeFigureOut">
               <a:rPr kumimoji="1" lang="ja-JP" altLang="en-US" smtClean="0"/>
-              <a:t>2023/9/20</a:t>
+              <a:t>2023/9/26</a:t>
             </a:fld>
             <a:endParaRPr kumimoji="1" lang="ja-JP" altLang="en-US"/>
           </a:p>
@@ -2914,7 +2914,7 @@
           <a:p>
             <a:fld id="{079D9FFB-0E4D-4C11-8AD6-519704A96548}" type="datetimeFigureOut">
               <a:rPr kumimoji="1" lang="ja-JP" altLang="en-US" smtClean="0"/>
-              <a:t>2023/9/20</a:t>
+              <a:t>2023/9/26</a:t>
             </a:fld>
             <a:endParaRPr kumimoji="1" lang="ja-JP" altLang="en-US"/>
           </a:p>
@@ -3202,7 +3202,7 @@
           <a:p>
             <a:fld id="{079D9FFB-0E4D-4C11-8AD6-519704A96548}" type="datetimeFigureOut">
               <a:rPr kumimoji="1" lang="ja-JP" altLang="en-US" smtClean="0"/>
-              <a:t>2023/9/20</a:t>
+              <a:t>2023/9/26</a:t>
             </a:fld>
             <a:endParaRPr kumimoji="1" lang="ja-JP" altLang="en-US"/>
           </a:p>
@@ -3475,7 +3475,7 @@
           <a:p>
             <a:fld id="{079D9FFB-0E4D-4C11-8AD6-519704A96548}" type="datetimeFigureOut">
               <a:rPr kumimoji="1" lang="ja-JP" altLang="en-US" smtClean="0"/>
-              <a:t>2023/9/20</a:t>
+              <a:t>2023/9/26</a:t>
             </a:fld>
             <a:endParaRPr kumimoji="1" lang="ja-JP" altLang="en-US"/>
           </a:p>
@@ -4071,7 +4071,9 @@
         </p:nvSpPr>
         <p:spPr/>
         <p:txBody>
-          <a:bodyPr/>
+          <a:bodyPr>
+            <a:normAutofit lnSpcReduction="10000"/>
+          </a:bodyPr>
           <a:lstStyle/>
           <a:p>
             <a:r>
@@ -4081,6 +4083,30 @@
             <a:endParaRPr kumimoji="1" lang="en-US" altLang="ja-JP" dirty="0"/>
           </a:p>
           <a:p>
+            <a:pPr marL="0" indent="0">
+              <a:buNone/>
+            </a:pPr>
+            <a:r>
+              <a:rPr kumimoji="1" lang="ja-JP" altLang="en-US" dirty="0"/>
+              <a:t>　必要以上にモンスターを倒しまくる人間を主人公</a:t>
+            </a:r>
+            <a:r>
+              <a:rPr lang="ja-JP" altLang="en-US" dirty="0"/>
+              <a:t>が食い止める　</a:t>
+            </a:r>
+            <a:endParaRPr lang="en-US" altLang="ja-JP" dirty="0"/>
+          </a:p>
+          <a:p>
+            <a:pPr marL="0" indent="0">
+              <a:buNone/>
+            </a:pPr>
+            <a:r>
+              <a:rPr lang="ja-JP" altLang="en-US" dirty="0"/>
+              <a:t>　物語</a:t>
+            </a:r>
+            <a:endParaRPr kumimoji="1" lang="en-US" altLang="ja-JP" dirty="0"/>
+          </a:p>
+          <a:p>
             <a:r>
               <a:rPr kumimoji="1" lang="ja-JP" altLang="en-US" dirty="0"/>
               <a:t>カラフルな世界</a:t>
@@ -4088,9 +4114,55 @@
             <a:endParaRPr kumimoji="1" lang="en-US" altLang="ja-JP" dirty="0"/>
           </a:p>
           <a:p>
+            <a:pPr marL="0" indent="0">
+              <a:buNone/>
+            </a:pPr>
             <a:r>
               <a:rPr kumimoji="1" lang="ja-JP" altLang="en-US" dirty="0"/>
-              <a:t>植物が主人公の行く先を示してくれる</a:t>
+              <a:t>　勇者一行が魔界を</a:t>
+            </a:r>
+            <a:r>
+              <a:rPr lang="ja-JP" altLang="en-US" dirty="0"/>
+              <a:t>侵略</a:t>
+            </a:r>
+            <a:r>
+              <a:rPr kumimoji="1" lang="ja-JP" altLang="en-US" dirty="0"/>
+              <a:t>する際に魔法をたくさん使った影響で、</a:t>
+            </a:r>
+            <a:endParaRPr kumimoji="1" lang="en-US" altLang="ja-JP" dirty="0"/>
+          </a:p>
+          <a:p>
+            <a:pPr marL="0" indent="0">
+              <a:buNone/>
+            </a:pPr>
+            <a:r>
+              <a:rPr lang="ja-JP" altLang="en-US" dirty="0"/>
+              <a:t>　魔界が汚染されて、「カラフル」になってしまっている</a:t>
+            </a:r>
+            <a:endParaRPr kumimoji="1" lang="en-US" altLang="ja-JP" dirty="0"/>
+          </a:p>
+          <a:p>
+            <a:r>
+              <a:rPr kumimoji="1" lang="ja-JP" altLang="en-US" dirty="0"/>
+              <a:t>一部の植物</a:t>
+            </a:r>
+            <a:r>
+              <a:rPr lang="ja-JP" altLang="en-US" dirty="0"/>
+              <a:t>は</a:t>
+            </a:r>
+            <a:r>
+              <a:rPr kumimoji="1" lang="ja-JP" altLang="en-US" dirty="0"/>
+              <a:t>主人公の行く先を示してくれる</a:t>
+            </a:r>
+            <a:endParaRPr kumimoji="1" lang="en-US" altLang="ja-JP" dirty="0"/>
+          </a:p>
+          <a:p>
+            <a:pPr marL="0" indent="0">
+              <a:buNone/>
+            </a:pPr>
+            <a:r>
+              <a:rPr lang="ja-JP" altLang="en-US" dirty="0"/>
+              <a:t>　主人公と森の植物は家族のような関係</a:t>
             </a:r>
             <a:endParaRPr kumimoji="1" lang="en-US" altLang="ja-JP" dirty="0"/>
           </a:p>
@@ -4140,7 +4212,7 @@
         </p:blipFill>
         <p:spPr>
           <a:xfrm>
-            <a:off x="3255770" y="4820574"/>
+            <a:off x="4484761" y="235637"/>
             <a:ext cx="1348022" cy="1602419"/>
           </a:xfrm>
           <a:prstGeom prst="rect">
@@ -4179,7 +4251,7 @@
         </p:blipFill>
         <p:spPr>
           <a:xfrm>
-            <a:off x="2468518" y="5209420"/>
+            <a:off x="4053956" y="513125"/>
             <a:ext cx="805487" cy="967543"/>
           </a:xfrm>
           <a:prstGeom prst="rect">
@@ -4187,57 +4259,6 @@
           </a:prstGeom>
         </p:spPr>
       </p:pic>
-      <p:sp>
-        <p:nvSpPr>
-          <p:cNvPr id="14" name="テキスト ボックス 13">
-            <a:extLst>
-              <a:ext uri="{FF2B5EF4-FFF2-40B4-BE49-F238E27FC236}">
-                <a16:creationId xmlns:a16="http://schemas.microsoft.com/office/drawing/2014/main" id="{7937EF95-B7A9-4E53-ABD7-83199EE04E73}"/>
-              </a:ext>
-            </a:extLst>
-          </p:cNvPr>
-          <p:cNvSpPr txBox="1"/>
-          <p:nvPr/>
-        </p:nvSpPr>
-        <p:spPr>
-          <a:xfrm>
-            <a:off x="2315441" y="6100460"/>
-            <a:ext cx="1254397" cy="784830"/>
-          </a:xfrm>
-          <a:prstGeom prst="rect">
-            <a:avLst/>
-          </a:prstGeom>
-          <a:noFill/>
-        </p:spPr>
-        <p:txBody>
-          <a:bodyPr wrap="square" rtlCol="0">
-            <a:spAutoFit/>
-          </a:bodyPr>
-          <a:lstStyle/>
-          <a:p>
-            <a:r>
-              <a:rPr lang="ja-JP" altLang="en-US" sz="900" dirty="0">
-                <a:hlinkClick r:id="rId6" tooltip="https://www.pngall.com/versus-png/"/>
-              </a:rPr>
-              <a:t>この写真</a:t>
-            </a:r>
-            <a:r>
-              <a:rPr lang="ja-JP" altLang="en-US" sz="900" dirty="0"/>
-              <a:t> の作成者 不明な作成者 は </a:t>
-            </a:r>
-            <a:r>
-              <a:rPr lang="ja-JP" altLang="en-US" sz="900" dirty="0">
-                <a:hlinkClick r:id="rId7" tooltip="https://creativecommons.org/licenses/by-nc/3.0/"/>
-              </a:rPr>
-              <a:t>CC BY-NC</a:t>
-            </a:r>
-            <a:r>
-              <a:rPr lang="ja-JP" altLang="en-US" sz="900" dirty="0"/>
-              <a:t> のライセンスを許諾されています</a:t>
-            </a:r>
-          </a:p>
-        </p:txBody>
-      </p:sp>
       <p:pic>
         <p:nvPicPr>
           <p:cNvPr id="16" name="グラフィックス 15">
@@ -4253,16 +4274,16 @@
           <p:nvPr/>
         </p:nvPicPr>
         <p:blipFill>
-          <a:blip r:embed="rId8">
+          <a:blip r:embed="rId7">
             <a:extLst>
               <a:ext uri="{28A0092B-C50C-407E-A947-70E740481C1C}">
                 <a14:useLocalDpi xmlns:a14="http://schemas.microsoft.com/office/drawing/2010/main" val="0"/>
               </a:ext>
               <a:ext uri="{96DAC541-7B7A-43D3-8B79-37D633B846F1}">
-                <asvg:svgBlip xmlns:asvg="http://schemas.microsoft.com/office/drawing/2016/SVG/main" r:embed="rId9"/>
+                <asvg:svgBlip xmlns:asvg="http://schemas.microsoft.com/office/drawing/2016/SVG/main" r:embed="rId8"/>
               </a:ext>
               <a:ext uri="{837473B0-CC2E-450A-ABE3-18F120FF3D39}">
-                <a1611:picAttrSrcUrl xmlns:a1611="http://schemas.microsoft.com/office/drawing/2016/11/main" r:id="rId10"/>
+                <a1611:picAttrSrcUrl xmlns:a1611="http://schemas.microsoft.com/office/drawing/2016/11/main" r:id="rId9"/>
               </a:ext>
             </a:extLst>
           </a:blip>
@@ -4272,7 +4293,7 @@
         </p:blipFill>
         <p:spPr>
           <a:xfrm>
-            <a:off x="1109859" y="4900473"/>
+            <a:off x="3080616" y="235637"/>
             <a:ext cx="978444" cy="1522520"/>
           </a:xfrm>
           <a:prstGeom prst="rect">
@@ -5587,9 +5608,15 @@
               <a:rPr lang="ja-JP" altLang="en-US" dirty="0"/>
               <a:t>になるとゲームオーバー</a:t>
             </a:r>
-            <a:r>
-              <a:rPr kumimoji="1" lang="ja-JP" altLang="en-US" dirty="0"/>
-              <a:t>　</a:t>
+            <a:endParaRPr lang="en-US" altLang="ja-JP" dirty="0"/>
+          </a:p>
+          <a:p>
+            <a:pPr marL="0" indent="0">
+              <a:buNone/>
+            </a:pPr>
+            <a:r>
+              <a:rPr lang="ja-JP" altLang="en-US" dirty="0"/>
+              <a:t>　もしくは、時間切れでもゲームオーバー</a:t>
             </a:r>
             <a:endParaRPr kumimoji="1" lang="en-US" altLang="ja-JP" dirty="0"/>
           </a:p>
@@ -5722,8 +5749,25 @@
           <a:p>
             <a:r>
               <a:rPr kumimoji="1" lang="ja-JP" altLang="en-US" dirty="0"/>
-              <a:t>未定</a:t>
-            </a:r>
+              <a:t>色々なギミックを実装してゲームを面白くしたい。</a:t>
+            </a:r>
+            <a:endParaRPr kumimoji="1" lang="en-US" altLang="ja-JP" dirty="0"/>
+          </a:p>
+          <a:p>
+            <a:endParaRPr lang="en-US" altLang="ja-JP" dirty="0"/>
+          </a:p>
+          <a:p>
+            <a:r>
+              <a:rPr kumimoji="1" lang="ja-JP" altLang="en-US" dirty="0"/>
+              <a:t>色鮮やかなステージにして、プレイヤーを飽きさせないような作りにしたい</a:t>
+            </a:r>
+            <a:endParaRPr kumimoji="1" lang="en-US" altLang="ja-JP" dirty="0"/>
+          </a:p>
+          <a:p>
+            <a:pPr marL="0" indent="0">
+              <a:buNone/>
+            </a:pPr>
+            <a:endParaRPr lang="en-US" altLang="ja-JP" dirty="0"/>
           </a:p>
         </p:txBody>
       </p:sp>
